--- a/slides/aula 0.pptx
+++ b/slides/aula 0.pptx
@@ -5,7 +5,7 @@
     <p:sldMasterId id="2147483684" r:id="rId1"/>
   </p:sldMasterIdLst>
   <p:notesMasterIdLst>
-    <p:notesMasterId r:id="rId9"/>
+    <p:notesMasterId r:id="rId10"/>
   </p:notesMasterIdLst>
   <p:sldIdLst>
     <p:sldId id="256" r:id="rId2"/>
@@ -14,7 +14,8 @@
     <p:sldId id="292" r:id="rId5"/>
     <p:sldId id="293" r:id="rId6"/>
     <p:sldId id="294" r:id="rId7"/>
-    <p:sldId id="295" r:id="rId8"/>
+    <p:sldId id="297" r:id="rId8"/>
+    <p:sldId id="295" r:id="rId9"/>
   </p:sldIdLst>
   <p:sldSz cx="9144000" cy="6858000" type="screen4x3"/>
   <p:notesSz cx="6858000" cy="9144000"/>
@@ -113,6 +114,22 @@
       </a:defRPr>
     </a:lvl9pPr>
   </p:defaultTextStyle>
+  <p:extLst>
+    <p:ext uri="{EFAFB233-063F-42B5-8137-9DF3F51BA10A}">
+      <p15:sldGuideLst xmlns:p15="http://schemas.microsoft.com/office/powerpoint/2012/main">
+        <p15:guide id="1" orient="horz" pos="2160">
+          <p15:clr>
+            <a:srgbClr val="A4A3A4"/>
+          </p15:clr>
+        </p15:guide>
+        <p15:guide id="2" pos="2880">
+          <p15:clr>
+            <a:srgbClr val="A4A3A4"/>
+          </p15:clr>
+        </p15:guide>
+      </p15:sldGuideLst>
+    </p:ext>
+  </p:extLst>
 </p:presentation>
 </file>
 
@@ -198,7 +215,7 @@
           <a:p>
             <a:fld id="{CAE41BF3-95F5-4172-95FB-740FB9C364CC}" type="datetimeFigureOut">
               <a:rPr lang="pt-BR" smtClean="0"/>
-              <a:t>12/09/2019</a:t>
+              <a:t>16/09/2019</a:t>
             </a:fld>
             <a:endParaRPr lang="pt-BR"/>
           </a:p>
@@ -658,7 +675,7 @@
           <a:p>
             <a:fld id="{FB16396F-5437-4AAC-8361-EDCE4172AFE2}" type="datetimeFigureOut">
               <a:rPr lang="pt-BR" smtClean="0"/>
-              <a:t>12/09/2019</a:t>
+              <a:t>16/09/2019</a:t>
             </a:fld>
             <a:endParaRPr lang="pt-BR"/>
           </a:p>
@@ -823,7 +840,7 @@
           <a:p>
             <a:fld id="{FB16396F-5437-4AAC-8361-EDCE4172AFE2}" type="datetimeFigureOut">
               <a:rPr lang="pt-BR" smtClean="0"/>
-              <a:t>12/09/2019</a:t>
+              <a:t>16/09/2019</a:t>
             </a:fld>
             <a:endParaRPr lang="pt-BR"/>
           </a:p>
@@ -998,7 +1015,7 @@
           <a:p>
             <a:fld id="{FB16396F-5437-4AAC-8361-EDCE4172AFE2}" type="datetimeFigureOut">
               <a:rPr lang="pt-BR" smtClean="0"/>
-              <a:t>12/09/2019</a:t>
+              <a:t>16/09/2019</a:t>
             </a:fld>
             <a:endParaRPr lang="pt-BR"/>
           </a:p>
@@ -1181,7 +1198,7 @@
           <a:p>
             <a:fld id="{FB16396F-5437-4AAC-8361-EDCE4172AFE2}" type="datetimeFigureOut">
               <a:rPr lang="pt-BR" smtClean="0"/>
-              <a:t>12/09/2019</a:t>
+              <a:t>16/09/2019</a:t>
             </a:fld>
             <a:endParaRPr lang="pt-BR"/>
           </a:p>
@@ -1443,7 +1460,7 @@
           <a:p>
             <a:fld id="{FB16396F-5437-4AAC-8361-EDCE4172AFE2}" type="datetimeFigureOut">
               <a:rPr lang="pt-BR" smtClean="0"/>
-              <a:t>12/09/2019</a:t>
+              <a:t>16/09/2019</a:t>
             </a:fld>
             <a:endParaRPr lang="pt-BR"/>
           </a:p>
@@ -1791,7 +1808,7 @@
           <a:p>
             <a:fld id="{FB16396F-5437-4AAC-8361-EDCE4172AFE2}" type="datetimeFigureOut">
               <a:rPr lang="pt-BR" smtClean="0"/>
-              <a:t>12/09/2019</a:t>
+              <a:t>16/09/2019</a:t>
             </a:fld>
             <a:endParaRPr lang="pt-BR"/>
           </a:p>
@@ -2099,7 +2116,7 @@
           <a:p>
             <a:fld id="{FB16396F-5437-4AAC-8361-EDCE4172AFE2}" type="datetimeFigureOut">
               <a:rPr lang="pt-BR" smtClean="0"/>
-              <a:t>12/09/2019</a:t>
+              <a:t>16/09/2019</a:t>
             </a:fld>
             <a:endParaRPr lang="pt-BR"/>
           </a:p>
@@ -2326,7 +2343,7 @@
           <a:p>
             <a:fld id="{FB16396F-5437-4AAC-8361-EDCE4172AFE2}" type="datetimeFigureOut">
               <a:rPr lang="pt-BR" smtClean="0"/>
-              <a:t>12/09/2019</a:t>
+              <a:t>16/09/2019</a:t>
             </a:fld>
             <a:endParaRPr lang="pt-BR"/>
           </a:p>
@@ -2416,7 +2433,7 @@
           <a:p>
             <a:fld id="{FB16396F-5437-4AAC-8361-EDCE4172AFE2}" type="datetimeFigureOut">
               <a:rPr lang="pt-BR" smtClean="0"/>
-              <a:t>12/09/2019</a:t>
+              <a:t>16/09/2019</a:t>
             </a:fld>
             <a:endParaRPr lang="pt-BR"/>
           </a:p>
@@ -2704,7 +2721,7 @@
           <a:p>
             <a:fld id="{FB16396F-5437-4AAC-8361-EDCE4172AFE2}" type="datetimeFigureOut">
               <a:rPr lang="pt-BR" smtClean="0"/>
-              <a:t>12/09/2019</a:t>
+              <a:t>16/09/2019</a:t>
             </a:fld>
             <a:endParaRPr lang="pt-BR"/>
           </a:p>
@@ -2973,7 +2990,7 @@
           <a:p>
             <a:fld id="{FB16396F-5437-4AAC-8361-EDCE4172AFE2}" type="datetimeFigureOut">
               <a:rPr lang="pt-BR" smtClean="0"/>
-              <a:t>12/09/2019</a:t>
+              <a:t>16/09/2019</a:t>
             </a:fld>
             <a:endParaRPr lang="pt-BR"/>
           </a:p>
@@ -3183,7 +3200,7 @@
           <a:p>
             <a:fld id="{FB16396F-5437-4AAC-8361-EDCE4172AFE2}" type="datetimeFigureOut">
               <a:rPr lang="pt-BR" smtClean="0"/>
-              <a:t>12/09/2019</a:t>
+              <a:t>16/09/2019</a:t>
             </a:fld>
             <a:endParaRPr lang="pt-BR"/>
           </a:p>
@@ -6080,7 +6097,7 @@
                                 <a:lumOff val="5000"/>
                               </a:schemeClr>
                             </a:solidFill>
-                            <a:latin typeface="Cambria Math"/>
+                            <a:latin typeface="Cambria Math" panose="02040503050406030204" pitchFamily="18" charset="0"/>
                           </a:rPr>
                         </m:ctrlPr>
                       </m:naryPr>
@@ -6150,7 +6167,7 @@
                                     <a:lumOff val="5000"/>
                                   </a:schemeClr>
                                 </a:solidFill>
-                                <a:latin typeface="Cambria Math"/>
+                                <a:latin typeface="Cambria Math" panose="02040503050406030204" pitchFamily="18" charset="0"/>
                               </a:rPr>
                             </m:ctrlPr>
                           </m:sSubPr>
@@ -6242,7 +6259,7 @@
                                 <a:lumOff val="5000"/>
                               </a:schemeClr>
                             </a:solidFill>
-                            <a:latin typeface="Cambria Math"/>
+                            <a:latin typeface="Cambria Math" panose="02040503050406030204" pitchFamily="18" charset="0"/>
                           </a:rPr>
                         </m:ctrlPr>
                       </m:fPr>
@@ -6621,7 +6638,7 @@
                 </a:solidFill>
                 <a:latin typeface="Bitter" panose="02000000000000000000" pitchFamily="2" charset="0"/>
               </a:rPr>
-              <a:t>Referências</a:t>
+              <a:t>Calendário de Avaliações</a:t>
             </a:r>
             <a:endParaRPr lang="pt-BR" dirty="0">
               <a:solidFill>
@@ -6648,7 +6665,175 @@
         <p:spPr/>
         <p:txBody>
           <a:bodyPr>
-            <a:normAutofit fontScale="85000" lnSpcReduction="20000"/>
+            <a:normAutofit/>
+          </a:bodyPr>
+          <a:lstStyle/>
+          <a:p>
+            <a:pPr>
+              <a:buClr>
+                <a:schemeClr val="tx1">
+                  <a:lumMod val="50000"/>
+                  <a:lumOff val="50000"/>
+                </a:schemeClr>
+              </a:buClr>
+            </a:pPr>
+            <a:r>
+              <a:rPr lang="pt-BR" sz="2800" dirty="0" smtClean="0">
+                <a:solidFill>
+                  <a:schemeClr val="tx1">
+                    <a:lumMod val="95000"/>
+                    <a:lumOff val="5000"/>
+                  </a:schemeClr>
+                </a:solidFill>
+                <a:latin typeface="Bitter" panose="02000000000000000000" pitchFamily="2" charset="0"/>
+              </a:rPr>
+              <a:t>Avaliação parcial – toda sexta-feira</a:t>
+            </a:r>
+          </a:p>
+          <a:p>
+            <a:pPr>
+              <a:buClr>
+                <a:schemeClr val="tx1">
+                  <a:lumMod val="50000"/>
+                  <a:lumOff val="50000"/>
+                </a:schemeClr>
+              </a:buClr>
+            </a:pPr>
+            <a:r>
+              <a:rPr lang="pt-BR" sz="2800" dirty="0" smtClean="0">
+                <a:solidFill>
+                  <a:schemeClr val="tx1">
+                    <a:lumMod val="95000"/>
+                    <a:lumOff val="5000"/>
+                  </a:schemeClr>
+                </a:solidFill>
+                <a:latin typeface="Bitter" panose="02000000000000000000" pitchFamily="2" charset="0"/>
+              </a:rPr>
+              <a:t>Avaliação final – </a:t>
+            </a:r>
+            <a:r>
+              <a:rPr lang="pt-BR" sz="2800" smtClean="0">
+                <a:solidFill>
+                  <a:schemeClr val="tx1">
+                    <a:lumMod val="95000"/>
+                    <a:lumOff val="5000"/>
+                  </a:schemeClr>
+                </a:solidFill>
+                <a:latin typeface="Bitter" panose="02000000000000000000" pitchFamily="2" charset="0"/>
+              </a:rPr>
+              <a:t>penúltima aula</a:t>
+            </a:r>
+            <a:endParaRPr lang="pt-BR" sz="2800" dirty="0">
+              <a:solidFill>
+                <a:schemeClr val="tx1">
+                  <a:lumMod val="95000"/>
+                  <a:lumOff val="5000"/>
+                </a:schemeClr>
+              </a:solidFill>
+              <a:latin typeface="Bitter" panose="02000000000000000000" pitchFamily="2" charset="0"/>
+            </a:endParaRPr>
+          </a:p>
+        </p:txBody>
+      </p:sp>
+    </p:spTree>
+    <p:extLst>
+      <p:ext uri="{BB962C8B-B14F-4D97-AF65-F5344CB8AC3E}">
+        <p14:creationId xmlns:p14="http://schemas.microsoft.com/office/powerpoint/2010/main" val="2430111539"/>
+      </p:ext>
+    </p:extLst>
+  </p:cSld>
+  <p:clrMapOvr>
+    <a:masterClrMapping/>
+  </p:clrMapOvr>
+  <mc:AlternateContent xmlns:mc="http://schemas.openxmlformats.org/markup-compatibility/2006" xmlns:p14="http://schemas.microsoft.com/office/powerpoint/2010/main">
+    <mc:Choice Requires="p14">
+      <p:transition p14:dur="0"/>
+    </mc:Choice>
+    <mc:Fallback xmlns="">
+      <p:transition/>
+    </mc:Fallback>
+  </mc:AlternateContent>
+  <p:timing>
+    <p:tnLst>
+      <p:par>
+        <p:cTn id="1" dur="indefinite" restart="never" nodeType="tmRoot"/>
+      </p:par>
+    </p:tnLst>
+  </p:timing>
+</p:sld>
+</file>
+
+<file path=ppt/slides/slide8.xml><?xml version="1.0" encoding="utf-8"?>
+<p:sld xmlns:a="http://schemas.openxmlformats.org/drawingml/2006/main" xmlns:r="http://schemas.openxmlformats.org/officeDocument/2006/relationships" xmlns:p="http://schemas.openxmlformats.org/presentationml/2006/main">
+  <p:cSld>
+    <p:spTree>
+      <p:nvGrpSpPr>
+        <p:cNvPr id="1" name=""/>
+        <p:cNvGrpSpPr/>
+        <p:nvPr/>
+      </p:nvGrpSpPr>
+      <p:grpSpPr>
+        <a:xfrm>
+          <a:off x="0" y="0"/>
+          <a:ext cx="0" cy="0"/>
+          <a:chOff x="0" y="0"/>
+          <a:chExt cx="0" cy="0"/>
+        </a:xfrm>
+      </p:grpSpPr>
+      <p:sp>
+        <p:nvSpPr>
+          <p:cNvPr id="2" name="Título 1"/>
+          <p:cNvSpPr>
+            <a:spLocks noGrp="1"/>
+          </p:cNvSpPr>
+          <p:nvPr>
+            <p:ph type="title"/>
+          </p:nvPr>
+        </p:nvSpPr>
+        <p:spPr/>
+        <p:txBody>
+          <a:bodyPr anchor="ctr"/>
+          <a:lstStyle/>
+          <a:p>
+            <a:pPr algn="l"/>
+            <a:r>
+              <a:rPr lang="pt-BR" dirty="0" smtClean="0">
+                <a:solidFill>
+                  <a:schemeClr val="tx1">
+                    <a:lumMod val="50000"/>
+                    <a:lumOff val="50000"/>
+                  </a:schemeClr>
+                </a:solidFill>
+                <a:latin typeface="Bitter" panose="02000000000000000000" pitchFamily="2" charset="0"/>
+              </a:rPr>
+              <a:t>Referências</a:t>
+            </a:r>
+            <a:endParaRPr lang="pt-BR" dirty="0">
+              <a:solidFill>
+                <a:schemeClr val="tx1">
+                  <a:lumMod val="50000"/>
+                  <a:lumOff val="50000"/>
+                </a:schemeClr>
+              </a:solidFill>
+              <a:latin typeface="Bitter" panose="02000000000000000000" pitchFamily="2" charset="0"/>
+            </a:endParaRPr>
+          </a:p>
+        </p:txBody>
+      </p:sp>
+      <p:sp>
+        <p:nvSpPr>
+          <p:cNvPr id="3" name="Espaço Reservado para Conteúdo 2"/>
+          <p:cNvSpPr>
+            <a:spLocks noGrp="1"/>
+          </p:cNvSpPr>
+          <p:nvPr>
+            <p:ph idx="1"/>
+          </p:nvPr>
+        </p:nvSpPr>
+        <p:spPr/>
+        <p:txBody>
+          <a:bodyPr>
+            <a:normAutofit lnSpcReduction="10000"/>
           </a:bodyPr>
           <a:lstStyle/>
           <a:p>

--- a/slides/aula 0.pptx
+++ b/slides/aula 0.pptx
@@ -5,17 +5,18 @@
     <p:sldMasterId id="2147483684" r:id="rId1"/>
   </p:sldMasterIdLst>
   <p:notesMasterIdLst>
-    <p:notesMasterId r:id="rId10"/>
+    <p:notesMasterId r:id="rId11"/>
   </p:notesMasterIdLst>
   <p:sldIdLst>
     <p:sldId id="256" r:id="rId2"/>
     <p:sldId id="261" r:id="rId3"/>
     <p:sldId id="296" r:id="rId4"/>
     <p:sldId id="292" r:id="rId5"/>
-    <p:sldId id="293" r:id="rId6"/>
-    <p:sldId id="294" r:id="rId7"/>
-    <p:sldId id="297" r:id="rId8"/>
-    <p:sldId id="295" r:id="rId9"/>
+    <p:sldId id="298" r:id="rId6"/>
+    <p:sldId id="293" r:id="rId7"/>
+    <p:sldId id="294" r:id="rId8"/>
+    <p:sldId id="297" r:id="rId9"/>
+    <p:sldId id="295" r:id="rId10"/>
   </p:sldIdLst>
   <p:sldSz cx="9144000" cy="6858000" type="screen4x3"/>
   <p:notesSz cx="6858000" cy="9144000"/>
@@ -116,7 +117,7 @@
   </p:defaultTextStyle>
   <p:extLst>
     <p:ext uri="{EFAFB233-063F-42B5-8137-9DF3F51BA10A}">
-      <p15:sldGuideLst xmlns:p15="http://schemas.microsoft.com/office/powerpoint/2012/main">
+      <p15:sldGuideLst xmlns:p15="http://schemas.microsoft.com/office/powerpoint/2012/main" xmlns="">
         <p15:guide id="1" orient="horz" pos="2160">
           <p15:clr>
             <a:srgbClr val="A4A3A4"/>
@@ -215,7 +216,7 @@
           <a:p>
             <a:fld id="{CAE41BF3-95F5-4172-95FB-740FB9C364CC}" type="datetimeFigureOut">
               <a:rPr lang="pt-BR" smtClean="0"/>
-              <a:t>16/09/2019</a:t>
+              <a:t>17/09/2019</a:t>
             </a:fld>
             <a:endParaRPr lang="pt-BR"/>
           </a:p>
@@ -675,7 +676,7 @@
           <a:p>
             <a:fld id="{FB16396F-5437-4AAC-8361-EDCE4172AFE2}" type="datetimeFigureOut">
               <a:rPr lang="pt-BR" smtClean="0"/>
-              <a:t>16/09/2019</a:t>
+              <a:t>17/09/2019</a:t>
             </a:fld>
             <a:endParaRPr lang="pt-BR"/>
           </a:p>
@@ -840,7 +841,7 @@
           <a:p>
             <a:fld id="{FB16396F-5437-4AAC-8361-EDCE4172AFE2}" type="datetimeFigureOut">
               <a:rPr lang="pt-BR" smtClean="0"/>
-              <a:t>16/09/2019</a:t>
+              <a:t>17/09/2019</a:t>
             </a:fld>
             <a:endParaRPr lang="pt-BR"/>
           </a:p>
@@ -1015,7 +1016,7 @@
           <a:p>
             <a:fld id="{FB16396F-5437-4AAC-8361-EDCE4172AFE2}" type="datetimeFigureOut">
               <a:rPr lang="pt-BR" smtClean="0"/>
-              <a:t>16/09/2019</a:t>
+              <a:t>17/09/2019</a:t>
             </a:fld>
             <a:endParaRPr lang="pt-BR"/>
           </a:p>
@@ -1198,7 +1199,7 @@
           <a:p>
             <a:fld id="{FB16396F-5437-4AAC-8361-EDCE4172AFE2}" type="datetimeFigureOut">
               <a:rPr lang="pt-BR" smtClean="0"/>
-              <a:t>16/09/2019</a:t>
+              <a:t>17/09/2019</a:t>
             </a:fld>
             <a:endParaRPr lang="pt-BR"/>
           </a:p>
@@ -1460,7 +1461,7 @@
           <a:p>
             <a:fld id="{FB16396F-5437-4AAC-8361-EDCE4172AFE2}" type="datetimeFigureOut">
               <a:rPr lang="pt-BR" smtClean="0"/>
-              <a:t>16/09/2019</a:t>
+              <a:t>17/09/2019</a:t>
             </a:fld>
             <a:endParaRPr lang="pt-BR"/>
           </a:p>
@@ -1808,7 +1809,7 @@
           <a:p>
             <a:fld id="{FB16396F-5437-4AAC-8361-EDCE4172AFE2}" type="datetimeFigureOut">
               <a:rPr lang="pt-BR" smtClean="0"/>
-              <a:t>16/09/2019</a:t>
+              <a:t>17/09/2019</a:t>
             </a:fld>
             <a:endParaRPr lang="pt-BR"/>
           </a:p>
@@ -2116,7 +2117,7 @@
           <a:p>
             <a:fld id="{FB16396F-5437-4AAC-8361-EDCE4172AFE2}" type="datetimeFigureOut">
               <a:rPr lang="pt-BR" smtClean="0"/>
-              <a:t>16/09/2019</a:t>
+              <a:t>17/09/2019</a:t>
             </a:fld>
             <a:endParaRPr lang="pt-BR"/>
           </a:p>
@@ -2343,7 +2344,7 @@
           <a:p>
             <a:fld id="{FB16396F-5437-4AAC-8361-EDCE4172AFE2}" type="datetimeFigureOut">
               <a:rPr lang="pt-BR" smtClean="0"/>
-              <a:t>16/09/2019</a:t>
+              <a:t>17/09/2019</a:t>
             </a:fld>
             <a:endParaRPr lang="pt-BR"/>
           </a:p>
@@ -2433,7 +2434,7 @@
           <a:p>
             <a:fld id="{FB16396F-5437-4AAC-8361-EDCE4172AFE2}" type="datetimeFigureOut">
               <a:rPr lang="pt-BR" smtClean="0"/>
-              <a:t>16/09/2019</a:t>
+              <a:t>17/09/2019</a:t>
             </a:fld>
             <a:endParaRPr lang="pt-BR"/>
           </a:p>
@@ -2721,7 +2722,7 @@
           <a:p>
             <a:fld id="{FB16396F-5437-4AAC-8361-EDCE4172AFE2}" type="datetimeFigureOut">
               <a:rPr lang="pt-BR" smtClean="0"/>
-              <a:t>16/09/2019</a:t>
+              <a:t>17/09/2019</a:t>
             </a:fld>
             <a:endParaRPr lang="pt-BR"/>
           </a:p>
@@ -2990,7 +2991,7 @@
           <a:p>
             <a:fld id="{FB16396F-5437-4AAC-8361-EDCE4172AFE2}" type="datetimeFigureOut">
               <a:rPr lang="pt-BR" smtClean="0"/>
-              <a:t>16/09/2019</a:t>
+              <a:t>17/09/2019</a:t>
             </a:fld>
             <a:endParaRPr lang="pt-BR"/>
           </a:p>
@@ -3200,7 +3201,7 @@
           <a:p>
             <a:fld id="{FB16396F-5437-4AAC-8361-EDCE4172AFE2}" type="datetimeFigureOut">
               <a:rPr lang="pt-BR" smtClean="0"/>
-              <a:t>16/09/2019</a:t>
+              <a:t>17/09/2019</a:t>
             </a:fld>
             <a:endParaRPr lang="pt-BR"/>
           </a:p>
@@ -5987,6 +5988,167 @@
                 </a:solidFill>
                 <a:latin typeface="Bitter" panose="02000000000000000000" pitchFamily="2" charset="0"/>
               </a:rPr>
+              <a:t>Materiais da disciplina</a:t>
+            </a:r>
+            <a:endParaRPr lang="pt-BR" dirty="0">
+              <a:solidFill>
+                <a:schemeClr val="tx1">
+                  <a:lumMod val="50000"/>
+                  <a:lumOff val="50000"/>
+                </a:schemeClr>
+              </a:solidFill>
+              <a:latin typeface="Bitter" panose="02000000000000000000" pitchFamily="2" charset="0"/>
+            </a:endParaRPr>
+          </a:p>
+        </p:txBody>
+      </p:sp>
+      <p:sp>
+        <p:nvSpPr>
+          <p:cNvPr id="3" name="Espaço Reservado para Conteúdo 2"/>
+          <p:cNvSpPr>
+            <a:spLocks noGrp="1"/>
+          </p:cNvSpPr>
+          <p:nvPr>
+            <p:ph idx="1"/>
+          </p:nvPr>
+        </p:nvSpPr>
+        <p:spPr/>
+        <p:txBody>
+          <a:bodyPr>
+            <a:normAutofit/>
+          </a:bodyPr>
+          <a:lstStyle/>
+          <a:p>
+            <a:pPr>
+              <a:buClr>
+                <a:schemeClr val="tx1">
+                  <a:lumMod val="50000"/>
+                  <a:lumOff val="50000"/>
+                </a:schemeClr>
+              </a:buClr>
+            </a:pPr>
+            <a:r>
+              <a:rPr lang="pt-BR" sz="2800">
+                <a:solidFill>
+                  <a:schemeClr val="tx1">
+                    <a:lumMod val="95000"/>
+                    <a:lumOff val="5000"/>
+                  </a:schemeClr>
+                </a:solidFill>
+                <a:latin typeface="Bitter" panose="02000000000000000000" pitchFamily="2" charset="0"/>
+                <a:hlinkClick r:id="rId2"/>
+              </a:rPr>
+              <a:t>https</a:t>
+            </a:r>
+            <a:r>
+              <a:rPr lang="pt-BR" sz="2800">
+                <a:solidFill>
+                  <a:schemeClr val="tx1">
+                    <a:lumMod val="95000"/>
+                    <a:lumOff val="5000"/>
+                  </a:schemeClr>
+                </a:solidFill>
+                <a:latin typeface="Bitter" panose="02000000000000000000" pitchFamily="2" charset="0"/>
+                <a:hlinkClick r:id="rId2"/>
+              </a:rPr>
+              <a:t>://</a:t>
+            </a:r>
+            <a:r>
+              <a:rPr lang="pt-BR" sz="2800" smtClean="0">
+                <a:solidFill>
+                  <a:schemeClr val="tx1">
+                    <a:lumMod val="95000"/>
+                    <a:lumOff val="5000"/>
+                  </a:schemeClr>
+                </a:solidFill>
+                <a:latin typeface="Bitter" panose="02000000000000000000" pitchFamily="2" charset="0"/>
+                <a:hlinkClick r:id="rId2"/>
+              </a:rPr>
+              <a:t>github.com/diogosm/cetam-lpoo-1</a:t>
+            </a:r>
+            <a:endParaRPr lang="pt-BR" sz="2800" dirty="0">
+              <a:solidFill>
+                <a:schemeClr val="tx1">
+                  <a:lumMod val="95000"/>
+                  <a:lumOff val="5000"/>
+                </a:schemeClr>
+              </a:solidFill>
+              <a:latin typeface="Bitter" panose="02000000000000000000" pitchFamily="2" charset="0"/>
+            </a:endParaRPr>
+          </a:p>
+        </p:txBody>
+      </p:sp>
+    </p:spTree>
+    <p:extLst>
+      <p:ext uri="{BB962C8B-B14F-4D97-AF65-F5344CB8AC3E}">
+        <p14:creationId xmlns:p14="http://schemas.microsoft.com/office/powerpoint/2010/main" val="2662649692"/>
+      </p:ext>
+    </p:extLst>
+  </p:cSld>
+  <p:clrMapOvr>
+    <a:masterClrMapping/>
+  </p:clrMapOvr>
+  <mc:AlternateContent xmlns:mc="http://schemas.openxmlformats.org/markup-compatibility/2006" xmlns:p14="http://schemas.microsoft.com/office/powerpoint/2010/main">
+    <mc:Choice Requires="p14">
+      <p:transition p14:dur="0"/>
+    </mc:Choice>
+    <mc:Fallback xmlns="">
+      <p:transition/>
+    </mc:Fallback>
+  </mc:AlternateContent>
+  <p:timing>
+    <p:tnLst>
+      <p:par>
+        <p:cTn id="1" dur="indefinite" restart="never" nodeType="tmRoot"/>
+      </p:par>
+    </p:tnLst>
+  </p:timing>
+</p:sld>
+</file>
+
+<file path=ppt/slides/slide6.xml><?xml version="1.0" encoding="utf-8"?>
+<p:sld xmlns:a="http://schemas.openxmlformats.org/drawingml/2006/main" xmlns:r="http://schemas.openxmlformats.org/officeDocument/2006/relationships" xmlns:p="http://schemas.openxmlformats.org/presentationml/2006/main">
+  <p:cSld>
+    <p:spTree>
+      <p:nvGrpSpPr>
+        <p:cNvPr id="1" name=""/>
+        <p:cNvGrpSpPr/>
+        <p:nvPr/>
+      </p:nvGrpSpPr>
+      <p:grpSpPr>
+        <a:xfrm>
+          <a:off x="0" y="0"/>
+          <a:ext cx="0" cy="0"/>
+          <a:chOff x="0" y="0"/>
+          <a:chExt cx="0" cy="0"/>
+        </a:xfrm>
+      </p:grpSpPr>
+      <p:sp>
+        <p:nvSpPr>
+          <p:cNvPr id="2" name="Título 1"/>
+          <p:cNvSpPr>
+            <a:spLocks noGrp="1"/>
+          </p:cNvSpPr>
+          <p:nvPr>
+            <p:ph type="title"/>
+          </p:nvPr>
+        </p:nvSpPr>
+        <p:spPr/>
+        <p:txBody>
+          <a:bodyPr anchor="ctr"/>
+          <a:lstStyle/>
+          <a:p>
+            <a:pPr algn="l"/>
+            <a:r>
+              <a:rPr lang="pt-BR" dirty="0" smtClean="0">
+                <a:solidFill>
+                  <a:schemeClr val="tx1">
+                    <a:lumMod val="50000"/>
+                    <a:lumOff val="50000"/>
+                  </a:schemeClr>
+                </a:solidFill>
+                <a:latin typeface="Bitter" panose="02000000000000000000" pitchFamily="2" charset="0"/>
+              </a:rPr>
               <a:t>Avaliação</a:t>
             </a:r>
             <a:endParaRPr lang="pt-BR" dirty="0">
@@ -6097,7 +6259,7 @@
                                 <a:lumOff val="5000"/>
                               </a:schemeClr>
                             </a:solidFill>
-                            <a:latin typeface="Cambria Math" panose="02040503050406030204" pitchFamily="18" charset="0"/>
+                            <a:latin typeface="Cambria Math"/>
                           </a:rPr>
                         </m:ctrlPr>
                       </m:naryPr>
@@ -6167,7 +6329,7 @@
                                     <a:lumOff val="5000"/>
                                   </a:schemeClr>
                                 </a:solidFill>
-                                <a:latin typeface="Cambria Math" panose="02040503050406030204" pitchFamily="18" charset="0"/>
+                                <a:latin typeface="Cambria Math"/>
                               </a:rPr>
                             </m:ctrlPr>
                           </m:sSubPr>
@@ -6259,7 +6421,7 @@
                                 <a:lumOff val="5000"/>
                               </a:schemeClr>
                             </a:solidFill>
-                            <a:latin typeface="Cambria Math" panose="02040503050406030204" pitchFamily="18" charset="0"/>
+                            <a:latin typeface="Cambria Math"/>
                           </a:rPr>
                         </m:ctrlPr>
                       </m:fPr>
@@ -6393,208 +6555,6 @@
 </p:sld>
 </file>
 
-<file path=ppt/slides/slide6.xml><?xml version="1.0" encoding="utf-8"?>
-<p:sld xmlns:a="http://schemas.openxmlformats.org/drawingml/2006/main" xmlns:r="http://schemas.openxmlformats.org/officeDocument/2006/relationships" xmlns:p="http://schemas.openxmlformats.org/presentationml/2006/main">
-  <p:cSld>
-    <p:spTree>
-      <p:nvGrpSpPr>
-        <p:cNvPr id="1" name=""/>
-        <p:cNvGrpSpPr/>
-        <p:nvPr/>
-      </p:nvGrpSpPr>
-      <p:grpSpPr>
-        <a:xfrm>
-          <a:off x="0" y="0"/>
-          <a:ext cx="0" cy="0"/>
-          <a:chOff x="0" y="0"/>
-          <a:chExt cx="0" cy="0"/>
-        </a:xfrm>
-      </p:grpSpPr>
-      <p:sp>
-        <p:nvSpPr>
-          <p:cNvPr id="2" name="Título 1"/>
-          <p:cNvSpPr>
-            <a:spLocks noGrp="1"/>
-          </p:cNvSpPr>
-          <p:nvPr>
-            <p:ph type="title"/>
-          </p:nvPr>
-        </p:nvSpPr>
-        <p:spPr/>
-        <p:txBody>
-          <a:bodyPr anchor="ctr"/>
-          <a:lstStyle/>
-          <a:p>
-            <a:pPr algn="l"/>
-            <a:r>
-              <a:rPr lang="pt-BR" dirty="0" smtClean="0">
-                <a:solidFill>
-                  <a:schemeClr val="tx1">
-                    <a:lumMod val="50000"/>
-                    <a:lumOff val="50000"/>
-                  </a:schemeClr>
-                </a:solidFill>
-                <a:latin typeface="Bitter" panose="02000000000000000000" pitchFamily="2" charset="0"/>
-              </a:rPr>
-              <a:t>Avaliação das AP e PF</a:t>
-            </a:r>
-            <a:endParaRPr lang="pt-BR" dirty="0">
-              <a:solidFill>
-                <a:schemeClr val="tx1">
-                  <a:lumMod val="50000"/>
-                  <a:lumOff val="50000"/>
-                </a:schemeClr>
-              </a:solidFill>
-              <a:latin typeface="Bitter" panose="02000000000000000000" pitchFamily="2" charset="0"/>
-            </a:endParaRPr>
-          </a:p>
-        </p:txBody>
-      </p:sp>
-      <p:sp>
-        <p:nvSpPr>
-          <p:cNvPr id="3" name="Espaço Reservado para Conteúdo 2"/>
-          <p:cNvSpPr>
-            <a:spLocks noGrp="1"/>
-          </p:cNvSpPr>
-          <p:nvPr>
-            <p:ph idx="1"/>
-          </p:nvPr>
-        </p:nvSpPr>
-        <p:spPr/>
-        <p:txBody>
-          <a:bodyPr>
-            <a:normAutofit/>
-          </a:bodyPr>
-          <a:lstStyle/>
-          <a:p>
-            <a:pPr>
-              <a:buClr>
-                <a:schemeClr val="tx1">
-                  <a:lumMod val="50000"/>
-                  <a:lumOff val="50000"/>
-                </a:schemeClr>
-              </a:buClr>
-            </a:pPr>
-            <a:r>
-              <a:rPr lang="pt-BR" sz="2800" dirty="0" smtClean="0">
-                <a:solidFill>
-                  <a:schemeClr val="tx1">
-                    <a:lumMod val="95000"/>
-                    <a:lumOff val="5000"/>
-                  </a:schemeClr>
-                </a:solidFill>
-                <a:latin typeface="Bitter" panose="02000000000000000000" pitchFamily="2" charset="0"/>
-              </a:rPr>
-              <a:t>Qualidade do código</a:t>
-            </a:r>
-          </a:p>
-          <a:p>
-            <a:pPr>
-              <a:buClr>
-                <a:schemeClr val="tx1">
-                  <a:lumMod val="50000"/>
-                  <a:lumOff val="50000"/>
-                </a:schemeClr>
-              </a:buClr>
-            </a:pPr>
-            <a:r>
-              <a:rPr lang="pt-BR" sz="2800" dirty="0" smtClean="0">
-                <a:solidFill>
-                  <a:schemeClr val="tx1">
-                    <a:lumMod val="95000"/>
-                    <a:lumOff val="5000"/>
-                  </a:schemeClr>
-                </a:solidFill>
-                <a:latin typeface="Bitter" panose="02000000000000000000" pitchFamily="2" charset="0"/>
-              </a:rPr>
-              <a:t>Execução (teste de </a:t>
-            </a:r>
-            <a:r>
-              <a:rPr lang="pt-BR" sz="2800" dirty="0" err="1" smtClean="0">
-                <a:solidFill>
-                  <a:schemeClr val="tx1">
-                    <a:lumMod val="95000"/>
-                    <a:lumOff val="5000"/>
-                  </a:schemeClr>
-                </a:solidFill>
-                <a:latin typeface="Bitter" panose="02000000000000000000" pitchFamily="2" charset="0"/>
-              </a:rPr>
-              <a:t>corretude</a:t>
-            </a:r>
-            <a:r>
-              <a:rPr lang="pt-BR" sz="2800" dirty="0" smtClean="0">
-                <a:solidFill>
-                  <a:schemeClr val="tx1">
-                    <a:lumMod val="95000"/>
-                    <a:lumOff val="5000"/>
-                  </a:schemeClr>
-                </a:solidFill>
-                <a:latin typeface="Bitter" panose="02000000000000000000" pitchFamily="2" charset="0"/>
-              </a:rPr>
-              <a:t>)</a:t>
-            </a:r>
-          </a:p>
-          <a:p>
-            <a:pPr>
-              <a:buClr>
-                <a:schemeClr val="tx1">
-                  <a:lumMod val="50000"/>
-                  <a:lumOff val="50000"/>
-                </a:schemeClr>
-              </a:buClr>
-            </a:pPr>
-            <a:r>
-              <a:rPr lang="pt-BR" sz="2800" dirty="0" smtClean="0">
-                <a:solidFill>
-                  <a:schemeClr val="tx1">
-                    <a:lumMod val="95000"/>
-                    <a:lumOff val="5000"/>
-                  </a:schemeClr>
-                </a:solidFill>
-                <a:latin typeface="Bitter" panose="02000000000000000000" pitchFamily="2" charset="0"/>
-              </a:rPr>
-              <a:t>Conformidade com o problema</a:t>
-            </a:r>
-            <a:endParaRPr lang="pt-BR" sz="2800" dirty="0">
-              <a:solidFill>
-                <a:schemeClr val="tx1">
-                  <a:lumMod val="95000"/>
-                  <a:lumOff val="5000"/>
-                </a:schemeClr>
-              </a:solidFill>
-              <a:latin typeface="Bitter" panose="02000000000000000000" pitchFamily="2" charset="0"/>
-            </a:endParaRPr>
-          </a:p>
-        </p:txBody>
-      </p:sp>
-    </p:spTree>
-    <p:extLst>
-      <p:ext uri="{BB962C8B-B14F-4D97-AF65-F5344CB8AC3E}">
-        <p14:creationId xmlns:p14="http://schemas.microsoft.com/office/powerpoint/2010/main" val="291106712"/>
-      </p:ext>
-    </p:extLst>
-  </p:cSld>
-  <p:clrMapOvr>
-    <a:masterClrMapping/>
-  </p:clrMapOvr>
-  <mc:AlternateContent xmlns:mc="http://schemas.openxmlformats.org/markup-compatibility/2006" xmlns:p14="http://schemas.microsoft.com/office/powerpoint/2010/main">
-    <mc:Choice Requires="p14">
-      <p:transition p14:dur="0"/>
-    </mc:Choice>
-    <mc:Fallback xmlns="">
-      <p:transition/>
-    </mc:Fallback>
-  </mc:AlternateContent>
-  <p:timing>
-    <p:tnLst>
-      <p:par>
-        <p:cTn id="1" dur="indefinite" restart="never" nodeType="tmRoot"/>
-      </p:par>
-    </p:tnLst>
-  </p:timing>
-</p:sld>
-</file>
-
 <file path=ppt/slides/slide7.xml><?xml version="1.0" encoding="utf-8"?>
 <p:sld xmlns:a="http://schemas.openxmlformats.org/drawingml/2006/main" xmlns:r="http://schemas.openxmlformats.org/officeDocument/2006/relationships" xmlns:p="http://schemas.openxmlformats.org/presentationml/2006/main">
   <p:cSld>
@@ -6638,7 +6598,7 @@
                 </a:solidFill>
                 <a:latin typeface="Bitter" panose="02000000000000000000" pitchFamily="2" charset="0"/>
               </a:rPr>
-              <a:t>Calendário de Avaliações</a:t>
+              <a:t>Avaliação das AP e PF</a:t>
             </a:r>
             <a:endParaRPr lang="pt-BR" dirty="0">
               <a:solidFill>
@@ -6687,7 +6647,7 @@
                 </a:solidFill>
                 <a:latin typeface="Bitter" panose="02000000000000000000" pitchFamily="2" charset="0"/>
               </a:rPr>
-              <a:t>Avaliação parcial – toda sexta-feira</a:t>
+              <a:t>Qualidade do código</a:t>
             </a:r>
           </a:p>
           <a:p>
@@ -6709,10 +6669,10 @@
                 </a:solidFill>
                 <a:latin typeface="Bitter" panose="02000000000000000000" pitchFamily="2" charset="0"/>
               </a:rPr>
-              <a:t>Avaliação final – </a:t>
-            </a:r>
-            <a:r>
-              <a:rPr lang="pt-BR" sz="2800" smtClean="0">
+              <a:t>Execução (teste de </a:t>
+            </a:r>
+            <a:r>
+              <a:rPr lang="pt-BR" sz="2800" dirty="0" err="1" smtClean="0">
                 <a:solidFill>
                   <a:schemeClr val="tx1">
                     <a:lumMod val="95000"/>
@@ -6721,7 +6681,41 @@
                 </a:solidFill>
                 <a:latin typeface="Bitter" panose="02000000000000000000" pitchFamily="2" charset="0"/>
               </a:rPr>
-              <a:t>penúltima aula</a:t>
+              <a:t>corretude</a:t>
+            </a:r>
+            <a:r>
+              <a:rPr lang="pt-BR" sz="2800" dirty="0" smtClean="0">
+                <a:solidFill>
+                  <a:schemeClr val="tx1">
+                    <a:lumMod val="95000"/>
+                    <a:lumOff val="5000"/>
+                  </a:schemeClr>
+                </a:solidFill>
+                <a:latin typeface="Bitter" panose="02000000000000000000" pitchFamily="2" charset="0"/>
+              </a:rPr>
+              <a:t>)</a:t>
+            </a:r>
+          </a:p>
+          <a:p>
+            <a:pPr>
+              <a:buClr>
+                <a:schemeClr val="tx1">
+                  <a:lumMod val="50000"/>
+                  <a:lumOff val="50000"/>
+                </a:schemeClr>
+              </a:buClr>
+            </a:pPr>
+            <a:r>
+              <a:rPr lang="pt-BR" sz="2800" dirty="0" smtClean="0">
+                <a:solidFill>
+                  <a:schemeClr val="tx1">
+                    <a:lumMod val="95000"/>
+                    <a:lumOff val="5000"/>
+                  </a:schemeClr>
+                </a:solidFill>
+                <a:latin typeface="Bitter" panose="02000000000000000000" pitchFamily="2" charset="0"/>
+              </a:rPr>
+              <a:t>Conformidade com o problema</a:t>
             </a:r>
             <a:endParaRPr lang="pt-BR" sz="2800" dirty="0">
               <a:solidFill>
@@ -6738,7 +6732,7 @@
     </p:spTree>
     <p:extLst>
       <p:ext uri="{BB962C8B-B14F-4D97-AF65-F5344CB8AC3E}">
-        <p14:creationId xmlns:p14="http://schemas.microsoft.com/office/powerpoint/2010/main" val="2430111539"/>
+        <p14:creationId xmlns:p14="http://schemas.microsoft.com/office/powerpoint/2010/main" val="291106712"/>
       </p:ext>
     </p:extLst>
   </p:cSld>
@@ -6806,7 +6800,7 @@
                 </a:solidFill>
                 <a:latin typeface="Bitter" panose="02000000000000000000" pitchFamily="2" charset="0"/>
               </a:rPr>
-              <a:t>Referências</a:t>
+              <a:t>Calendário de Avaliações</a:t>
             </a:r>
             <a:endParaRPr lang="pt-BR" dirty="0">
               <a:solidFill>
@@ -6833,7 +6827,7 @@
         <p:spPr/>
         <p:txBody>
           <a:bodyPr>
-            <a:normAutofit lnSpcReduction="10000"/>
+            <a:normAutofit/>
           </a:bodyPr>
           <a:lstStyle/>
           <a:p>
@@ -6855,10 +6849,20 @@
                 </a:solidFill>
                 <a:latin typeface="Bitter" panose="02000000000000000000" pitchFamily="2" charset="0"/>
               </a:rPr>
-              <a:t>Livro: Introdução à Programação Orientada a Objetos usando Java – Rafael Santos. </a:t>
-            </a:r>
-            <a:r>
-              <a:rPr lang="pt-BR" sz="2800" dirty="0">
+              <a:t>Avaliação parcial – toda sexta-feira</a:t>
+            </a:r>
+          </a:p>
+          <a:p>
+            <a:pPr>
+              <a:buClr>
+                <a:schemeClr val="tx1">
+                  <a:lumMod val="50000"/>
+                  <a:lumOff val="50000"/>
+                </a:schemeClr>
+              </a:buClr>
+            </a:pPr>
+            <a:r>
+              <a:rPr lang="pt-BR" sz="2800" dirty="0" smtClean="0">
                 <a:solidFill>
                   <a:schemeClr val="tx1">
                     <a:lumMod val="95000"/>
@@ -6867,10 +6871,10 @@
                 </a:solidFill>
                 <a:latin typeface="Bitter" panose="02000000000000000000" pitchFamily="2" charset="0"/>
               </a:rPr>
-              <a:t>Link: </a:t>
-            </a:r>
-            <a:r>
-              <a:rPr lang="pt-BR" sz="2800" dirty="0">
+              <a:t>Avaliação final – </a:t>
+            </a:r>
+            <a:r>
+              <a:rPr lang="pt-BR" sz="2800" smtClean="0">
                 <a:solidFill>
                   <a:schemeClr val="tx1">
                     <a:lumMod val="95000"/>
@@ -6878,24 +6882,10 @@
                   </a:schemeClr>
                 </a:solidFill>
                 <a:latin typeface="Bitter" panose="02000000000000000000" pitchFamily="2" charset="0"/>
-                <a:hlinkClick r:id="rId2"/>
               </a:rPr>
-              <a:t>https://</a:t>
-            </a:r>
-            <a:r>
-              <a:rPr lang="pt-BR" sz="2800" dirty="0" smtClean="0">
-                <a:solidFill>
-                  <a:schemeClr val="tx1">
-                    <a:lumMod val="95000"/>
-                    <a:lumOff val="5000"/>
-                  </a:schemeClr>
-                </a:solidFill>
-                <a:latin typeface="Bitter" panose="02000000000000000000" pitchFamily="2" charset="0"/>
-                <a:hlinkClick r:id="rId2"/>
-              </a:rPr>
-              <a:t>drive.google.com/open?id=0B8eSwDIKbcFKWmRpbTJHUmlMbjQ</a:t>
-            </a:r>
-            <a:endParaRPr lang="pt-BR" sz="2800" dirty="0" smtClean="0">
+              <a:t>penúltima aula</a:t>
+            </a:r>
+            <a:endParaRPr lang="pt-BR" sz="2800" dirty="0">
               <a:solidFill>
                 <a:schemeClr val="tx1">
                   <a:lumMod val="95000"/>
@@ -6905,6 +6895,109 @@
               <a:latin typeface="Bitter" panose="02000000000000000000" pitchFamily="2" charset="0"/>
             </a:endParaRPr>
           </a:p>
+        </p:txBody>
+      </p:sp>
+    </p:spTree>
+    <p:extLst>
+      <p:ext uri="{BB962C8B-B14F-4D97-AF65-F5344CB8AC3E}">
+        <p14:creationId xmlns:p14="http://schemas.microsoft.com/office/powerpoint/2010/main" val="2430111539"/>
+      </p:ext>
+    </p:extLst>
+  </p:cSld>
+  <p:clrMapOvr>
+    <a:masterClrMapping/>
+  </p:clrMapOvr>
+  <mc:AlternateContent xmlns:mc="http://schemas.openxmlformats.org/markup-compatibility/2006" xmlns:p14="http://schemas.microsoft.com/office/powerpoint/2010/main">
+    <mc:Choice Requires="p14">
+      <p:transition p14:dur="0"/>
+    </mc:Choice>
+    <mc:Fallback xmlns="">
+      <p:transition/>
+    </mc:Fallback>
+  </mc:AlternateContent>
+  <p:timing>
+    <p:tnLst>
+      <p:par>
+        <p:cTn id="1" dur="indefinite" restart="never" nodeType="tmRoot"/>
+      </p:par>
+    </p:tnLst>
+  </p:timing>
+</p:sld>
+</file>
+
+<file path=ppt/slides/slide9.xml><?xml version="1.0" encoding="utf-8"?>
+<p:sld xmlns:a="http://schemas.openxmlformats.org/drawingml/2006/main" xmlns:r="http://schemas.openxmlformats.org/officeDocument/2006/relationships" xmlns:p="http://schemas.openxmlformats.org/presentationml/2006/main">
+  <p:cSld>
+    <p:spTree>
+      <p:nvGrpSpPr>
+        <p:cNvPr id="1" name=""/>
+        <p:cNvGrpSpPr/>
+        <p:nvPr/>
+      </p:nvGrpSpPr>
+      <p:grpSpPr>
+        <a:xfrm>
+          <a:off x="0" y="0"/>
+          <a:ext cx="0" cy="0"/>
+          <a:chOff x="0" y="0"/>
+          <a:chExt cx="0" cy="0"/>
+        </a:xfrm>
+      </p:grpSpPr>
+      <p:sp>
+        <p:nvSpPr>
+          <p:cNvPr id="2" name="Título 1"/>
+          <p:cNvSpPr>
+            <a:spLocks noGrp="1"/>
+          </p:cNvSpPr>
+          <p:nvPr>
+            <p:ph type="title"/>
+          </p:nvPr>
+        </p:nvSpPr>
+        <p:spPr/>
+        <p:txBody>
+          <a:bodyPr anchor="ctr"/>
+          <a:lstStyle/>
+          <a:p>
+            <a:pPr algn="l"/>
+            <a:r>
+              <a:rPr lang="pt-BR" dirty="0" smtClean="0">
+                <a:solidFill>
+                  <a:schemeClr val="tx1">
+                    <a:lumMod val="50000"/>
+                    <a:lumOff val="50000"/>
+                  </a:schemeClr>
+                </a:solidFill>
+                <a:latin typeface="Bitter" panose="02000000000000000000" pitchFamily="2" charset="0"/>
+              </a:rPr>
+              <a:t>Referências</a:t>
+            </a:r>
+            <a:endParaRPr lang="pt-BR" dirty="0">
+              <a:solidFill>
+                <a:schemeClr val="tx1">
+                  <a:lumMod val="50000"/>
+                  <a:lumOff val="50000"/>
+                </a:schemeClr>
+              </a:solidFill>
+              <a:latin typeface="Bitter" panose="02000000000000000000" pitchFamily="2" charset="0"/>
+            </a:endParaRPr>
+          </a:p>
+        </p:txBody>
+      </p:sp>
+      <p:sp>
+        <p:nvSpPr>
+          <p:cNvPr id="3" name="Espaço Reservado para Conteúdo 2"/>
+          <p:cNvSpPr>
+            <a:spLocks noGrp="1"/>
+          </p:cNvSpPr>
+          <p:nvPr>
+            <p:ph idx="1"/>
+          </p:nvPr>
+        </p:nvSpPr>
+        <p:spPr/>
+        <p:txBody>
+          <a:bodyPr>
+            <a:normAutofit/>
+          </a:bodyPr>
+          <a:lstStyle/>
           <a:p>
             <a:pPr>
               <a:buClr>
@@ -6915,7 +7008,7 @@
               </a:buClr>
             </a:pPr>
             <a:r>
-              <a:rPr lang="pt-BR" sz="2800" dirty="0">
+              <a:rPr lang="pt-BR" sz="2000" dirty="0" smtClean="0">
                 <a:solidFill>
                   <a:schemeClr val="tx1">
                     <a:lumMod val="95000"/>
@@ -6924,10 +7017,10 @@
                 </a:solidFill>
                 <a:latin typeface="Bitter" panose="02000000000000000000" pitchFamily="2" charset="0"/>
               </a:rPr>
-              <a:t>GOSLING, J.; JOY, B.; STEELE, G.; BRACHA, G.; BUCKLEY,A. The Java </a:t>
-            </a:r>
-            <a:r>
-              <a:rPr lang="pt-BR" sz="2800" dirty="0" err="1">
+              <a:t>Livro: Introdução à Programação Orientada a Objetos usando Java – Rafael Santos. </a:t>
+            </a:r>
+            <a:r>
+              <a:rPr lang="pt-BR" sz="2000" dirty="0">
                 <a:solidFill>
                   <a:schemeClr val="tx1">
                     <a:lumMod val="95000"/>
@@ -6936,10 +7029,10 @@
                 </a:solidFill>
                 <a:latin typeface="Bitter" panose="02000000000000000000" pitchFamily="2" charset="0"/>
               </a:rPr>
-              <a:t>Language</a:t>
-            </a:r>
-            <a:r>
-              <a:rPr lang="pt-BR" sz="2800" dirty="0">
+              <a:t>Link: </a:t>
+            </a:r>
+            <a:r>
+              <a:rPr lang="pt-BR" sz="2000" dirty="0">
                 <a:solidFill>
                   <a:schemeClr val="tx1">
                     <a:lumMod val="95000"/>
@@ -6947,11 +7040,12 @@
                   </a:schemeClr>
                 </a:solidFill>
                 <a:latin typeface="Bitter" panose="02000000000000000000" pitchFamily="2" charset="0"/>
+                <a:hlinkClick r:id="rId2"/>
               </a:rPr>
-              <a:t> </a:t>
-            </a:r>
-            <a:r>
-              <a:rPr lang="pt-BR" sz="2800" dirty="0" err="1">
+              <a:t>https://</a:t>
+            </a:r>
+            <a:r>
+              <a:rPr lang="pt-BR" sz="2000" dirty="0" smtClean="0">
                 <a:solidFill>
                   <a:schemeClr val="tx1">
                     <a:lumMod val="95000"/>
@@ -6959,72 +7053,11 @@
                   </a:schemeClr>
                 </a:solidFill>
                 <a:latin typeface="Bitter" panose="02000000000000000000" pitchFamily="2" charset="0"/>
+                <a:hlinkClick r:id="rId2"/>
               </a:rPr>
-              <a:t>Specification</a:t>
-            </a:r>
-            <a:r>
-              <a:rPr lang="pt-BR" sz="2800" dirty="0">
-                <a:solidFill>
-                  <a:schemeClr val="tx1">
-                    <a:lumMod val="95000"/>
-                    <a:lumOff val="5000"/>
-                  </a:schemeClr>
-                </a:solidFill>
-                <a:latin typeface="Bitter" panose="02000000000000000000" pitchFamily="2" charset="0"/>
-              </a:rPr>
-              <a:t>, Java SE 8 </a:t>
-            </a:r>
-            <a:r>
-              <a:rPr lang="pt-BR" sz="2800" dirty="0" err="1">
-                <a:solidFill>
-                  <a:schemeClr val="tx1">
-                    <a:lumMod val="95000"/>
-                    <a:lumOff val="5000"/>
-                  </a:schemeClr>
-                </a:solidFill>
-                <a:latin typeface="Bitter" panose="02000000000000000000" pitchFamily="2" charset="0"/>
-              </a:rPr>
-              <a:t>Edition</a:t>
-            </a:r>
-            <a:r>
-              <a:rPr lang="pt-BR" sz="2800" dirty="0">
-                <a:solidFill>
-                  <a:schemeClr val="tx1">
-                    <a:lumMod val="95000"/>
-                    <a:lumOff val="5000"/>
-                  </a:schemeClr>
-                </a:solidFill>
-                <a:latin typeface="Bitter" panose="02000000000000000000" pitchFamily="2" charset="0"/>
-              </a:rPr>
-              <a:t>. Oracle,2015. Disponível online: </a:t>
-            </a:r>
-            <a:r>
-              <a:rPr lang="pt-BR" sz="2800" dirty="0">
-                <a:solidFill>
-                  <a:schemeClr val="tx1">
-                    <a:lumMod val="95000"/>
-                    <a:lumOff val="5000"/>
-                  </a:schemeClr>
-                </a:solidFill>
-                <a:latin typeface="Bitter" panose="02000000000000000000" pitchFamily="2" charset="0"/>
-                <a:hlinkClick r:id="rId3"/>
-              </a:rPr>
-              <a:t>https://docs.oracle.com/javase/specs</a:t>
-            </a:r>
-            <a:r>
-              <a:rPr lang="pt-BR" sz="2800" dirty="0" smtClean="0">
-                <a:solidFill>
-                  <a:schemeClr val="tx1">
-                    <a:lumMod val="95000"/>
-                    <a:lumOff val="5000"/>
-                  </a:schemeClr>
-                </a:solidFill>
-                <a:latin typeface="Bitter" panose="02000000000000000000" pitchFamily="2" charset="0"/>
-                <a:hlinkClick r:id="rId3"/>
-              </a:rPr>
-              <a:t>/</a:t>
-            </a:r>
-            <a:endParaRPr lang="pt-BR" sz="2800" dirty="0" smtClean="0">
+              <a:t>drive.google.com/open?id=0B8eSwDIKbcFKWmRpbTJHUmlMbjQ</a:t>
+            </a:r>
+            <a:endParaRPr lang="pt-BR" sz="2000" dirty="0" smtClean="0">
               <a:solidFill>
                 <a:schemeClr val="tx1">
                   <a:lumMod val="95000"/>
@@ -7044,7 +7077,7 @@
               </a:buClr>
             </a:pPr>
             <a:r>
-              <a:rPr lang="pt-BR" sz="2800" dirty="0" smtClean="0">
+              <a:rPr lang="pt-BR" sz="2000" dirty="0">
                 <a:solidFill>
                   <a:schemeClr val="tx1">
                     <a:lumMod val="95000"/>
@@ -7053,10 +7086,10 @@
                 </a:solidFill>
                 <a:latin typeface="Bitter" panose="02000000000000000000" pitchFamily="2" charset="0"/>
               </a:rPr>
-              <a:t>Java e Orientação a Objeto – curso </a:t>
-            </a:r>
-            <a:r>
-              <a:rPr lang="pt-BR" sz="2800" dirty="0" err="1" smtClean="0">
+              <a:t>GOSLING, J.; JOY, B.; STEELE, G.; BRACHA, G.; BUCKLEY,A. The Java </a:t>
+            </a:r>
+            <a:r>
+              <a:rPr lang="pt-BR" sz="2000" dirty="0" err="1">
                 <a:solidFill>
                   <a:schemeClr val="tx1">
                     <a:lumMod val="95000"/>
@@ -7065,10 +7098,10 @@
                 </a:solidFill>
                 <a:latin typeface="Bitter" panose="02000000000000000000" pitchFamily="2" charset="0"/>
               </a:rPr>
-              <a:t>Caelum</a:t>
-            </a:r>
-            <a:r>
-              <a:rPr lang="pt-BR" sz="2800" dirty="0" smtClean="0">
+              <a:t>Language</a:t>
+            </a:r>
+            <a:r>
+              <a:rPr lang="pt-BR" sz="2000" dirty="0">
                 <a:solidFill>
                   <a:schemeClr val="tx1">
                     <a:lumMod val="95000"/>
@@ -7077,10 +7110,10 @@
                 </a:solidFill>
                 <a:latin typeface="Bitter" panose="02000000000000000000" pitchFamily="2" charset="0"/>
               </a:rPr>
-              <a:t>. </a:t>
-            </a:r>
-            <a:r>
-              <a:rPr lang="pt-BR" sz="2800" dirty="0">
+              <a:t> </a:t>
+            </a:r>
+            <a:r>
+              <a:rPr lang="pt-BR" sz="2000" dirty="0" err="1">
                 <a:solidFill>
                   <a:schemeClr val="tx1">
                     <a:lumMod val="95000"/>
@@ -7089,10 +7122,10 @@
                 </a:solidFill>
                 <a:latin typeface="Bitter" panose="02000000000000000000" pitchFamily="2" charset="0"/>
               </a:rPr>
-              <a:t>Link: </a:t>
-            </a:r>
-            <a:r>
-              <a:rPr lang="pt-BR" sz="2800" dirty="0">
+              <a:t>Specification</a:t>
+            </a:r>
+            <a:r>
+              <a:rPr lang="pt-BR" sz="2000" dirty="0">
                 <a:solidFill>
                   <a:schemeClr val="tx1">
                     <a:lumMod val="95000"/>
@@ -7100,12 +7133,11 @@
                   </a:schemeClr>
                 </a:solidFill>
                 <a:latin typeface="Bitter" panose="02000000000000000000" pitchFamily="2" charset="0"/>
-                <a:hlinkClick r:id="rId4"/>
               </a:rPr>
-              <a:t>https://</a:t>
-            </a:r>
-            <a:r>
-              <a:rPr lang="pt-BR" sz="2800" dirty="0" smtClean="0">
+              <a:t>, Java SE 8 </a:t>
+            </a:r>
+            <a:r>
+              <a:rPr lang="pt-BR" sz="2000" dirty="0" err="1">
                 <a:solidFill>
                   <a:schemeClr val="tx1">
                     <a:lumMod val="95000"/>
@@ -7113,11 +7145,48 @@
                   </a:schemeClr>
                 </a:solidFill>
                 <a:latin typeface="Bitter" panose="02000000000000000000" pitchFamily="2" charset="0"/>
-                <a:hlinkClick r:id="rId4"/>
               </a:rPr>
-              <a:t>drive.google.com/file/d/0B8eSwDIKbcFKd3htdU5maDUtVkU/view</a:t>
-            </a:r>
-            <a:endParaRPr lang="pt-BR" sz="2800" dirty="0" smtClean="0">
+              <a:t>Edition</a:t>
+            </a:r>
+            <a:r>
+              <a:rPr lang="pt-BR" sz="2000" dirty="0">
+                <a:solidFill>
+                  <a:schemeClr val="tx1">
+                    <a:lumMod val="95000"/>
+                    <a:lumOff val="5000"/>
+                  </a:schemeClr>
+                </a:solidFill>
+                <a:latin typeface="Bitter" panose="02000000000000000000" pitchFamily="2" charset="0"/>
+              </a:rPr>
+              <a:t>. Oracle,2015. Disponível online: </a:t>
+            </a:r>
+            <a:r>
+              <a:rPr lang="pt-BR" sz="2000" dirty="0">
+                <a:solidFill>
+                  <a:schemeClr val="tx1">
+                    <a:lumMod val="95000"/>
+                    <a:lumOff val="5000"/>
+                  </a:schemeClr>
+                </a:solidFill>
+                <a:latin typeface="Bitter" panose="02000000000000000000" pitchFamily="2" charset="0"/>
+                <a:hlinkClick r:id="rId3"/>
+              </a:rPr>
+              <a:t>https://docs.oracle.com/javase/specs</a:t>
+            </a:r>
+            <a:r>
+              <a:rPr lang="pt-BR" sz="2000" dirty="0" smtClean="0">
+                <a:solidFill>
+                  <a:schemeClr val="tx1">
+                    <a:lumMod val="95000"/>
+                    <a:lumOff val="5000"/>
+                  </a:schemeClr>
+                </a:solidFill>
+                <a:latin typeface="Bitter" panose="02000000000000000000" pitchFamily="2" charset="0"/>
+                <a:hlinkClick r:id="rId3"/>
+              </a:rPr>
+              <a:t>/</a:t>
+            </a:r>
+            <a:endParaRPr lang="pt-BR" sz="2000" dirty="0" smtClean="0">
               <a:solidFill>
                 <a:schemeClr val="tx1">
                   <a:lumMod val="95000"/>
@@ -7136,7 +7205,100 @@
                 </a:schemeClr>
               </a:buClr>
             </a:pPr>
-            <a:endParaRPr lang="pt-BR" sz="2800" dirty="0">
+            <a:r>
+              <a:rPr lang="pt-BR" sz="2000" dirty="0" smtClean="0">
+                <a:solidFill>
+                  <a:schemeClr val="tx1">
+                    <a:lumMod val="95000"/>
+                    <a:lumOff val="5000"/>
+                  </a:schemeClr>
+                </a:solidFill>
+                <a:latin typeface="Bitter" panose="02000000000000000000" pitchFamily="2" charset="0"/>
+              </a:rPr>
+              <a:t>Java e Orientação a Objeto – curso </a:t>
+            </a:r>
+            <a:r>
+              <a:rPr lang="pt-BR" sz="2000" dirty="0" err="1" smtClean="0">
+                <a:solidFill>
+                  <a:schemeClr val="tx1">
+                    <a:lumMod val="95000"/>
+                    <a:lumOff val="5000"/>
+                  </a:schemeClr>
+                </a:solidFill>
+                <a:latin typeface="Bitter" panose="02000000000000000000" pitchFamily="2" charset="0"/>
+              </a:rPr>
+              <a:t>Caelum</a:t>
+            </a:r>
+            <a:r>
+              <a:rPr lang="pt-BR" sz="2000" dirty="0" smtClean="0">
+                <a:solidFill>
+                  <a:schemeClr val="tx1">
+                    <a:lumMod val="95000"/>
+                    <a:lumOff val="5000"/>
+                  </a:schemeClr>
+                </a:solidFill>
+                <a:latin typeface="Bitter" panose="02000000000000000000" pitchFamily="2" charset="0"/>
+              </a:rPr>
+              <a:t>. </a:t>
+            </a:r>
+            <a:r>
+              <a:rPr lang="pt-BR" sz="2000" dirty="0">
+                <a:solidFill>
+                  <a:schemeClr val="tx1">
+                    <a:lumMod val="95000"/>
+                    <a:lumOff val="5000"/>
+                  </a:schemeClr>
+                </a:solidFill>
+                <a:latin typeface="Bitter" panose="02000000000000000000" pitchFamily="2" charset="0"/>
+              </a:rPr>
+              <a:t>Link: </a:t>
+            </a:r>
+            <a:r>
+              <a:rPr lang="pt-BR" sz="2000" dirty="0">
+                <a:solidFill>
+                  <a:schemeClr val="tx1">
+                    <a:lumMod val="95000"/>
+                    <a:lumOff val="5000"/>
+                  </a:schemeClr>
+                </a:solidFill>
+                <a:latin typeface="Bitter" panose="02000000000000000000" pitchFamily="2" charset="0"/>
+                <a:hlinkClick r:id="rId4"/>
+              </a:rPr>
+              <a:t>https://</a:t>
+            </a:r>
+            <a:r>
+              <a:rPr lang="pt-BR" sz="2000" dirty="0" smtClean="0">
+                <a:solidFill>
+                  <a:schemeClr val="tx1">
+                    <a:lumMod val="95000"/>
+                    <a:lumOff val="5000"/>
+                  </a:schemeClr>
+                </a:solidFill>
+                <a:latin typeface="Bitter" panose="02000000000000000000" pitchFamily="2" charset="0"/>
+                <a:hlinkClick r:id="rId4"/>
+              </a:rPr>
+              <a:t>drive.google.com/file/d/0B8eSwDIKbcFKd3htdU5maDUtVkU/view</a:t>
+            </a:r>
+            <a:endParaRPr lang="pt-BR" sz="2000" dirty="0" smtClean="0">
+              <a:solidFill>
+                <a:schemeClr val="tx1">
+                  <a:lumMod val="95000"/>
+                  <a:lumOff val="5000"/>
+                </a:schemeClr>
+              </a:solidFill>
+              <a:latin typeface="Bitter" panose="02000000000000000000" pitchFamily="2" charset="0"/>
+            </a:endParaRPr>
+          </a:p>
+          <a:p>
+            <a:pPr>
+              <a:buClr>
+                <a:schemeClr val="tx1">
+                  <a:lumMod val="50000"/>
+                  <a:lumOff val="50000"/>
+                </a:schemeClr>
+              </a:buClr>
+            </a:pPr>
+            <a:endParaRPr lang="pt-BR" sz="2000" dirty="0">
               <a:solidFill>
                 <a:schemeClr val="tx1">
                   <a:lumMod val="95000"/>
